--- a/BlockchainAppIntro_201805.pptx
+++ b/BlockchainAppIntro_201805.pptx
@@ -686,7 +686,7 @@
           <a:p>
             <a:fld id="{C1112008-E4B3-4EDF-A601-31F7A3F14B53}" type="datetimeFigureOut">
               <a:rPr lang="en-US" smtClean="0"/>
-              <a:t>5/8/2018</a:t>
+              <a:t>5/9/2018</a:t>
             </a:fld>
             <a:endParaRPr lang="en-US"/>
           </a:p>
@@ -16303,7 +16303,7 @@
                 <a:ea typeface="DejaVu Sans"/>
                 <a:cs typeface="DejaVu Sans"/>
               </a:rPr>
-              <a:t>Orlin Gotchev</a:t>
+              <a:t>Orlin </a:t>
             </a:r>
           </a:p>
           <a:p>
@@ -28513,7 +28513,7 @@
         </p:nvSpPr>
         <p:spPr>
           <a:xfrm>
-            <a:off x="0" y="93600"/>
+            <a:off x="765880" y="233100"/>
             <a:ext cx="5180356" cy="905400"/>
           </a:xfrm>
           <a:prstGeom prst="rect">
@@ -28536,7 +28536,7 @@
                 </a:solidFill>
                 <a:latin typeface="Arial"/>
               </a:rPr>
-              <a:t>E. Summary: Takeaway</a:t>
+              <a:t>E. Summary: Beyond mining</a:t>
             </a:r>
             <a:r>
               <a:rPr lang="en-US" sz="3200" b="0" strike="noStrike" spc="-1" dirty="0">
@@ -28558,8 +28558,8 @@
         </p:nvSpPr>
         <p:spPr>
           <a:xfrm>
-            <a:off x="365760" y="2039672"/>
-            <a:ext cx="3383280" cy="3492360"/>
+            <a:off x="365759" y="2039672"/>
+            <a:ext cx="11160955" cy="3492360"/>
           </a:xfrm>
           <a:prstGeom prst="rect">
             <a:avLst/>
@@ -28573,6 +28573,7 @@
           <a:bodyPr lIns="90000" tIns="45000" rIns="90000" bIns="45000"/>
           <a:lstStyle/>
           <a:p>
+            <a:pPr algn="ctr"/>
             <a:r>
               <a:rPr lang="en-US" sz="4000" b="0" i="1" strike="noStrike" spc="-1" dirty="0">
                 <a:solidFill>
@@ -28585,29 +28586,6 @@
           </a:p>
         </p:txBody>
       </p:sp>
-      <p:pic>
-        <p:nvPicPr>
-          <p:cNvPr id="282" name="Picture 281"/>
-          <p:cNvPicPr/>
-          <p:nvPr/>
-        </p:nvPicPr>
-        <p:blipFill>
-          <a:blip r:embed="rId2"/>
-          <a:stretch/>
-        </p:blipFill>
-        <p:spPr>
-          <a:xfrm>
-            <a:off x="4114800" y="1097280"/>
-            <a:ext cx="7723800" cy="5419440"/>
-          </a:xfrm>
-          <a:prstGeom prst="rect">
-            <a:avLst/>
-          </a:prstGeom>
-          <a:ln>
-            <a:noFill/>
-          </a:ln>
-        </p:spPr>
-      </p:pic>
       <p:sp>
         <p:nvSpPr>
           <p:cNvPr id="6" name="TextShape 2">
@@ -28935,7 +28913,7 @@
         <p:spPr>
           <a:xfrm>
             <a:off x="0" y="93600"/>
-            <a:ext cx="5180356" cy="905400"/>
+            <a:ext cx="7728438" cy="905400"/>
           </a:xfrm>
           <a:prstGeom prst="rect">
             <a:avLst/>
@@ -28957,7 +28935,7 @@
                 </a:solidFill>
                 <a:latin typeface="Arial"/>
               </a:rPr>
-              <a:t>E. Summary: Takeaway</a:t>
+              <a:t>E. Summary: Beyond Cryptocurrencies</a:t>
             </a:r>
             <a:r>
               <a:rPr lang="en-US" sz="3200" b="0" strike="noStrike" spc="-1" dirty="0">
@@ -28985,8 +28963,8 @@
         </p:nvSpPr>
         <p:spPr>
           <a:xfrm>
-            <a:off x="6377946" y="535900"/>
-            <a:ext cx="4732787" cy="5786199"/>
+            <a:off x="5987562" y="999000"/>
+            <a:ext cx="5401082" cy="5786199"/>
           </a:xfrm>
           <a:prstGeom prst="rect">
             <a:avLst/>
